--- a/Hibernate/1_Hibernate Introduction/Introduction.pptx
+++ b/Hibernate/1_Hibernate Introduction/Introduction.pptx
@@ -296,7 +296,7 @@
           <a:p>
             <a:fld id="{96BDF78D-63C7-4142-91D1-853BCA9DCE4F}" type="datetimeFigureOut">
               <a:rPr lang="en-US" smtClean="0"/>
-              <a:t>9/20/2025</a:t>
+              <a:t>2/24/2026</a:t>
             </a:fld>
             <a:endParaRPr lang="en-US"/>
           </a:p>
@@ -494,7 +494,7 @@
           <a:p>
             <a:fld id="{96BDF78D-63C7-4142-91D1-853BCA9DCE4F}" type="datetimeFigureOut">
               <a:rPr lang="en-US" smtClean="0"/>
-              <a:t>9/20/2025</a:t>
+              <a:t>2/24/2026</a:t>
             </a:fld>
             <a:endParaRPr lang="en-US"/>
           </a:p>
@@ -702,7 +702,7 @@
           <a:p>
             <a:fld id="{96BDF78D-63C7-4142-91D1-853BCA9DCE4F}" type="datetimeFigureOut">
               <a:rPr lang="en-US" smtClean="0"/>
-              <a:t>9/20/2025</a:t>
+              <a:t>2/24/2026</a:t>
             </a:fld>
             <a:endParaRPr lang="en-US"/>
           </a:p>
@@ -900,7 +900,7 @@
           <a:p>
             <a:fld id="{96BDF78D-63C7-4142-91D1-853BCA9DCE4F}" type="datetimeFigureOut">
               <a:rPr lang="en-US" smtClean="0"/>
-              <a:t>9/20/2025</a:t>
+              <a:t>2/24/2026</a:t>
             </a:fld>
             <a:endParaRPr lang="en-US"/>
           </a:p>
@@ -1175,7 +1175,7 @@
           <a:p>
             <a:fld id="{96BDF78D-63C7-4142-91D1-853BCA9DCE4F}" type="datetimeFigureOut">
               <a:rPr lang="en-US" smtClean="0"/>
-              <a:t>9/20/2025</a:t>
+              <a:t>2/24/2026</a:t>
             </a:fld>
             <a:endParaRPr lang="en-US"/>
           </a:p>
@@ -1440,7 +1440,7 @@
           <a:p>
             <a:fld id="{96BDF78D-63C7-4142-91D1-853BCA9DCE4F}" type="datetimeFigureOut">
               <a:rPr lang="en-US" smtClean="0"/>
-              <a:t>9/20/2025</a:t>
+              <a:t>2/24/2026</a:t>
             </a:fld>
             <a:endParaRPr lang="en-US"/>
           </a:p>
@@ -1852,7 +1852,7 @@
           <a:p>
             <a:fld id="{96BDF78D-63C7-4142-91D1-853BCA9DCE4F}" type="datetimeFigureOut">
               <a:rPr lang="en-US" smtClean="0"/>
-              <a:t>9/20/2025</a:t>
+              <a:t>2/24/2026</a:t>
             </a:fld>
             <a:endParaRPr lang="en-US"/>
           </a:p>
@@ -1993,7 +1993,7 @@
           <a:p>
             <a:fld id="{96BDF78D-63C7-4142-91D1-853BCA9DCE4F}" type="datetimeFigureOut">
               <a:rPr lang="en-US" smtClean="0"/>
-              <a:t>9/20/2025</a:t>
+              <a:t>2/24/2026</a:t>
             </a:fld>
             <a:endParaRPr lang="en-US"/>
           </a:p>
@@ -2106,7 +2106,7 @@
           <a:p>
             <a:fld id="{96BDF78D-63C7-4142-91D1-853BCA9DCE4F}" type="datetimeFigureOut">
               <a:rPr lang="en-US" smtClean="0"/>
-              <a:t>9/20/2025</a:t>
+              <a:t>2/24/2026</a:t>
             </a:fld>
             <a:endParaRPr lang="en-US"/>
           </a:p>
@@ -2417,7 +2417,7 @@
           <a:p>
             <a:fld id="{96BDF78D-63C7-4142-91D1-853BCA9DCE4F}" type="datetimeFigureOut">
               <a:rPr lang="en-US" smtClean="0"/>
-              <a:t>9/20/2025</a:t>
+              <a:t>2/24/2026</a:t>
             </a:fld>
             <a:endParaRPr lang="en-US"/>
           </a:p>
@@ -2705,7 +2705,7 @@
           <a:p>
             <a:fld id="{96BDF78D-63C7-4142-91D1-853BCA9DCE4F}" type="datetimeFigureOut">
               <a:rPr lang="en-US" smtClean="0"/>
-              <a:t>9/20/2025</a:t>
+              <a:t>2/24/2026</a:t>
             </a:fld>
             <a:endParaRPr lang="en-US"/>
           </a:p>
@@ -2946,7 +2946,7 @@
           <a:p>
             <a:fld id="{96BDF78D-63C7-4142-91D1-853BCA9DCE4F}" type="datetimeFigureOut">
               <a:rPr lang="en-US" smtClean="0"/>
-              <a:t>9/20/2025</a:t>
+              <a:t>2/24/2026</a:t>
             </a:fld>
             <a:endParaRPr lang="en-US"/>
           </a:p>
@@ -12157,7 +12157,9 @@
           </a:xfrm>
         </p:spPr>
         <p:txBody>
-          <a:bodyPr/>
+          <a:bodyPr>
+            <a:normAutofit fontScale="85000" lnSpcReduction="20000"/>
+          </a:bodyPr>
           <a:lstStyle/>
           <a:p>
             <a:pPr marL="0" indent="0" algn="just">
@@ -12194,7 +12196,26 @@
             <a:pPr algn="just"/>
             <a:r>
               <a:rPr lang="en-US" dirty="0"/>
-              <a:t>Hibernate is a Java-based Object-Relational Mapping (ORM) tool that simplifies database interactions by allowing developers to work with Java objects rather than SQL statements. Hibernate abstracts the complexities of JDBC and automates many database operations.</a:t>
+              <a:t>Hibernate is a Java-based Object-Relational Mapping (ORM) tool that simplifies database interactions by allowing developers to work with Java objects rather than SQL statements. Hibernate abstracts the complexities of JDBC and automates many database operations. </a:t>
+            </a:r>
+          </a:p>
+          <a:p>
+            <a:pPr algn="just"/>
+            <a:endParaRPr lang="en-US" dirty="0"/>
+          </a:p>
+          <a:p>
+            <a:pPr algn="just"/>
+            <a:r>
+              <a:rPr lang="en-US" dirty="0"/>
+              <a:t>In other Words Hibernate is an </a:t>
+            </a:r>
+            <a:r>
+              <a:rPr lang="en-US" b="1" dirty="0"/>
+              <a:t>open-source Object-Relational Mapping (ORM) framework</a:t>
+            </a:r>
+            <a:r>
+              <a:rPr lang="en-US" dirty="0"/>
+              <a:t> for Java that maps Java classes to database tables and Java data types to SQL data types. It allows developers to interact with databases using Java objects instead of writing complex SQL queries, significantly reducing boilerplate JDBC code and improving portability across databases.</a:t>
             </a:r>
           </a:p>
           <a:p>
